--- a/lib/images/OAuth-PKCE-Image-Source.pptx
+++ b/lib/images/OAuth-PKCE-Image-Source.pptx
@@ -5,9 +5,10 @@
     <p:sldMasterId id="2147483648" r:id="rId1"/>
   </p:sldMasterIdLst>
   <p:sldIdLst>
-    <p:sldId id="256" r:id="rId2"/>
-    <p:sldId id="257" r:id="rId3"/>
-    <p:sldId id="258" r:id="rId4"/>
+    <p:sldId id="259" r:id="rId2"/>
+    <p:sldId id="256" r:id="rId3"/>
+    <p:sldId id="257" r:id="rId4"/>
+    <p:sldId id="258" r:id="rId5"/>
   </p:sldIdLst>
   <p:sldSz cx="12192000" cy="6858000"/>
   <p:notesSz cx="6858000" cy="9144000"/>
@@ -106,6 +107,11 @@
       </a:defRPr>
     </a:lvl9pPr>
   </p:defaultTextStyle>
+  <p:extLst>
+    <p:ext uri="{EFAFB233-063F-42B5-8137-9DF3F51BA10A}">
+      <p15:sldGuideLst xmlns:p15="http://schemas.microsoft.com/office/powerpoint/2012/main"/>
+    </p:ext>
+  </p:extLst>
 </p:presentation>
 </file>
 
@@ -3344,6 +3350,747 @@
           <a:chExt cx="0" cy="0"/>
         </a:xfrm>
       </p:grpSpPr>
+      <p:sp>
+        <p:nvSpPr>
+          <p:cNvPr id="4" name="Rechteck 3">
+            <a:extLst>
+              <a:ext uri="{FF2B5EF4-FFF2-40B4-BE49-F238E27FC236}">
+                <a16:creationId xmlns:a16="http://schemas.microsoft.com/office/drawing/2014/main" id="{3FD10D3F-07C4-4333-94A9-9EA8C1ABB8F7}"/>
+              </a:ext>
+            </a:extLst>
+          </p:cNvPr>
+          <p:cNvSpPr/>
+          <p:nvPr/>
+        </p:nvSpPr>
+        <p:spPr>
+          <a:xfrm>
+            <a:off x="5350043" y="2436395"/>
+            <a:ext cx="818147" cy="2887579"/>
+          </a:xfrm>
+          <a:prstGeom prst="rect">
+            <a:avLst/>
+          </a:prstGeom>
+          <a:solidFill>
+            <a:srgbClr val="C00000"/>
+          </a:solidFill>
+          <a:ln>
+            <a:solidFill>
+              <a:schemeClr val="bg1"/>
+            </a:solidFill>
+          </a:ln>
+        </p:spPr>
+        <p:style>
+          <a:lnRef idx="2">
+            <a:schemeClr val="accent1">
+              <a:shade val="50000"/>
+            </a:schemeClr>
+          </a:lnRef>
+          <a:fillRef idx="1">
+            <a:schemeClr val="accent1"/>
+          </a:fillRef>
+          <a:effectRef idx="0">
+            <a:schemeClr val="accent1"/>
+          </a:effectRef>
+          <a:fontRef idx="minor">
+            <a:schemeClr val="lt1"/>
+          </a:fontRef>
+        </p:style>
+        <p:txBody>
+          <a:bodyPr vert="vert270" rtlCol="0" anchor="ctr"/>
+          <a:lstStyle/>
+          <a:p>
+            <a:pPr algn="ctr"/>
+            <a:r>
+              <a:rPr lang="de-DE" dirty="0"/>
+              <a:t>Axway</a:t>
+            </a:r>
+            <a:br>
+              <a:rPr lang="de-DE" dirty="0"/>
+            </a:br>
+            <a:r>
+              <a:rPr lang="de-DE" dirty="0"/>
+              <a:t>API-Management</a:t>
+            </a:r>
+            <a:endParaRPr lang="en-US" dirty="0"/>
+          </a:p>
+        </p:txBody>
+      </p:sp>
+      <p:sp>
+        <p:nvSpPr>
+          <p:cNvPr id="5" name="Rechteck 4">
+            <a:extLst>
+              <a:ext uri="{FF2B5EF4-FFF2-40B4-BE49-F238E27FC236}">
+                <a16:creationId xmlns:a16="http://schemas.microsoft.com/office/drawing/2014/main" id="{1894B979-71CA-4339-8B8B-13DD184E81F3}"/>
+              </a:ext>
+            </a:extLst>
+          </p:cNvPr>
+          <p:cNvSpPr/>
+          <p:nvPr/>
+        </p:nvSpPr>
+        <p:spPr>
+          <a:xfrm rot="5400000">
+            <a:off x="5350042" y="-407068"/>
+            <a:ext cx="818147" cy="2887579"/>
+          </a:xfrm>
+          <a:prstGeom prst="rect">
+            <a:avLst/>
+          </a:prstGeom>
+          <a:solidFill>
+            <a:srgbClr val="C00000"/>
+          </a:solidFill>
+          <a:ln>
+            <a:solidFill>
+              <a:schemeClr val="bg1"/>
+            </a:solidFill>
+          </a:ln>
+        </p:spPr>
+        <p:style>
+          <a:lnRef idx="2">
+            <a:schemeClr val="accent1">
+              <a:shade val="50000"/>
+            </a:schemeClr>
+          </a:lnRef>
+          <a:fillRef idx="1">
+            <a:schemeClr val="accent1"/>
+          </a:fillRef>
+          <a:effectRef idx="0">
+            <a:schemeClr val="accent1"/>
+          </a:effectRef>
+          <a:fontRef idx="minor">
+            <a:schemeClr val="lt1"/>
+          </a:fontRef>
+        </p:style>
+        <p:txBody>
+          <a:bodyPr vert="vert270" rtlCol="0" anchor="ctr"/>
+          <a:lstStyle/>
+          <a:p>
+            <a:pPr algn="ctr"/>
+            <a:r>
+              <a:rPr lang="de-DE" sz="1400" dirty="0"/>
+              <a:t>3rd Party Autorisation </a:t>
+            </a:r>
+            <a:r>
+              <a:rPr lang="de-DE" sz="1400" dirty="0" err="1"/>
+              <a:t>server</a:t>
+            </a:r>
+            <a:r>
+              <a:rPr lang="de-DE" sz="1400" dirty="0"/>
+              <a:t> (e.g. </a:t>
+            </a:r>
+            <a:r>
+              <a:rPr lang="de-DE" sz="1400" dirty="0" err="1"/>
+              <a:t>Keycloak</a:t>
+            </a:r>
+            <a:r>
+              <a:rPr lang="de-DE" sz="1400" dirty="0"/>
+              <a:t>, </a:t>
+            </a:r>
+            <a:r>
+              <a:rPr lang="de-DE" sz="1400" dirty="0" err="1"/>
+              <a:t>AzureAD</a:t>
+            </a:r>
+            <a:r>
+              <a:rPr lang="de-DE" sz="1400" dirty="0"/>
+              <a:t>, …)</a:t>
+            </a:r>
+            <a:endParaRPr lang="en-US" sz="1400" dirty="0"/>
+          </a:p>
+        </p:txBody>
+      </p:sp>
+      <p:sp>
+        <p:nvSpPr>
+          <p:cNvPr id="6" name="Rechteck 5">
+            <a:extLst>
+              <a:ext uri="{FF2B5EF4-FFF2-40B4-BE49-F238E27FC236}">
+                <a16:creationId xmlns:a16="http://schemas.microsoft.com/office/drawing/2014/main" id="{A8AAD068-7084-46D2-8BEF-7C9F80D88C4D}"/>
+              </a:ext>
+            </a:extLst>
+          </p:cNvPr>
+          <p:cNvSpPr/>
+          <p:nvPr/>
+        </p:nvSpPr>
+        <p:spPr>
+          <a:xfrm rot="5400000">
+            <a:off x="9058776" y="2436394"/>
+            <a:ext cx="944479" cy="2887579"/>
+          </a:xfrm>
+          <a:prstGeom prst="rect">
+            <a:avLst/>
+          </a:prstGeom>
+          <a:solidFill>
+            <a:srgbClr val="C00000"/>
+          </a:solidFill>
+          <a:ln>
+            <a:solidFill>
+              <a:schemeClr val="bg1"/>
+            </a:solidFill>
+          </a:ln>
+        </p:spPr>
+        <p:style>
+          <a:lnRef idx="2">
+            <a:schemeClr val="accent1">
+              <a:shade val="50000"/>
+            </a:schemeClr>
+          </a:lnRef>
+          <a:fillRef idx="1">
+            <a:schemeClr val="accent1"/>
+          </a:fillRef>
+          <a:effectRef idx="0">
+            <a:schemeClr val="accent1"/>
+          </a:effectRef>
+          <a:fontRef idx="minor">
+            <a:schemeClr val="lt1"/>
+          </a:fontRef>
+        </p:style>
+        <p:txBody>
+          <a:bodyPr vert="vert270" rtlCol="0" anchor="ctr"/>
+          <a:lstStyle/>
+          <a:p>
+            <a:pPr algn="ctr"/>
+            <a:r>
+              <a:rPr lang="de-DE" sz="1400" dirty="0"/>
+              <a:t>Backend </a:t>
+            </a:r>
+            <a:r>
+              <a:rPr lang="de-DE" sz="1400" dirty="0" err="1"/>
+              <a:t>expecting</a:t>
+            </a:r>
+            <a:r>
+              <a:rPr lang="de-DE" sz="1400" dirty="0"/>
+              <a:t> </a:t>
+            </a:r>
+            <a:r>
+              <a:rPr lang="de-DE" sz="1400" dirty="0" err="1"/>
+              <a:t>Oauth</a:t>
+            </a:r>
+            <a:r>
+              <a:rPr lang="de-DE" sz="1400" dirty="0"/>
+              <a:t>-Access-Token </a:t>
+            </a:r>
+            <a:r>
+              <a:rPr lang="de-DE" sz="1400" dirty="0" err="1"/>
+              <a:t>from</a:t>
+            </a:r>
+            <a:r>
+              <a:rPr lang="de-DE" sz="1400" dirty="0"/>
+              <a:t> 3rd Party </a:t>
+            </a:r>
+            <a:r>
+              <a:rPr lang="de-DE" sz="1400" dirty="0" err="1"/>
+              <a:t>Autorization</a:t>
+            </a:r>
+            <a:r>
+              <a:rPr lang="de-DE" sz="1400" dirty="0"/>
+              <a:t> </a:t>
+            </a:r>
+            <a:r>
+              <a:rPr lang="de-DE" sz="1400" dirty="0" err="1"/>
+              <a:t>server</a:t>
+            </a:r>
+            <a:endParaRPr lang="en-US" sz="1400" dirty="0"/>
+          </a:p>
+        </p:txBody>
+      </p:sp>
+      <p:sp>
+        <p:nvSpPr>
+          <p:cNvPr id="8" name="Rechteck 7">
+            <a:extLst>
+              <a:ext uri="{FF2B5EF4-FFF2-40B4-BE49-F238E27FC236}">
+                <a16:creationId xmlns:a16="http://schemas.microsoft.com/office/drawing/2014/main" id="{2FEF98DD-B612-41A7-B4DC-E5678443C85B}"/>
+              </a:ext>
+            </a:extLst>
+          </p:cNvPr>
+          <p:cNvSpPr/>
+          <p:nvPr/>
+        </p:nvSpPr>
+        <p:spPr>
+          <a:xfrm rot="5400000">
+            <a:off x="3125204" y="3087103"/>
+            <a:ext cx="944479" cy="1586163"/>
+          </a:xfrm>
+          <a:prstGeom prst="rect">
+            <a:avLst/>
+          </a:prstGeom>
+          <a:solidFill>
+            <a:srgbClr val="C00000"/>
+          </a:solidFill>
+          <a:ln>
+            <a:solidFill>
+              <a:schemeClr val="bg1"/>
+            </a:solidFill>
+          </a:ln>
+        </p:spPr>
+        <p:style>
+          <a:lnRef idx="2">
+            <a:schemeClr val="accent1">
+              <a:shade val="50000"/>
+            </a:schemeClr>
+          </a:lnRef>
+          <a:fillRef idx="1">
+            <a:schemeClr val="accent1"/>
+          </a:fillRef>
+          <a:effectRef idx="0">
+            <a:schemeClr val="accent1"/>
+          </a:effectRef>
+          <a:fontRef idx="minor">
+            <a:schemeClr val="lt1"/>
+          </a:fontRef>
+        </p:style>
+        <p:txBody>
+          <a:bodyPr vert="vert270" rtlCol="0" anchor="ctr"/>
+          <a:lstStyle/>
+          <a:p>
+            <a:pPr algn="ctr"/>
+            <a:r>
+              <a:rPr lang="de-DE" sz="1400" dirty="0"/>
+              <a:t>Client </a:t>
+            </a:r>
+            <a:br>
+              <a:rPr lang="de-DE" sz="1400" dirty="0"/>
+            </a:br>
+            <a:r>
+              <a:rPr lang="de-DE" sz="1400" dirty="0"/>
+              <a:t>(User-Agent)</a:t>
+            </a:r>
+            <a:endParaRPr lang="en-US" sz="1400" dirty="0"/>
+          </a:p>
+        </p:txBody>
+      </p:sp>
+      <p:sp>
+        <p:nvSpPr>
+          <p:cNvPr id="9" name="Rechteck 8">
+            <a:extLst>
+              <a:ext uri="{FF2B5EF4-FFF2-40B4-BE49-F238E27FC236}">
+                <a16:creationId xmlns:a16="http://schemas.microsoft.com/office/drawing/2014/main" id="{C939A7B3-DD36-4805-BEAD-3ABE26861AA7}"/>
+              </a:ext>
+            </a:extLst>
+          </p:cNvPr>
+          <p:cNvSpPr/>
+          <p:nvPr/>
+        </p:nvSpPr>
+        <p:spPr>
+          <a:xfrm rot="5400000">
+            <a:off x="857249" y="2971798"/>
+            <a:ext cx="944479" cy="1816769"/>
+          </a:xfrm>
+          <a:prstGeom prst="rect">
+            <a:avLst/>
+          </a:prstGeom>
+          <a:solidFill>
+            <a:srgbClr val="C00000"/>
+          </a:solidFill>
+          <a:ln>
+            <a:solidFill>
+              <a:schemeClr val="bg1"/>
+            </a:solidFill>
+          </a:ln>
+        </p:spPr>
+        <p:style>
+          <a:lnRef idx="2">
+            <a:schemeClr val="accent1">
+              <a:shade val="50000"/>
+            </a:schemeClr>
+          </a:lnRef>
+          <a:fillRef idx="1">
+            <a:schemeClr val="accent1"/>
+          </a:fillRef>
+          <a:effectRef idx="0">
+            <a:schemeClr val="accent1"/>
+          </a:effectRef>
+          <a:fontRef idx="minor">
+            <a:schemeClr val="lt1"/>
+          </a:fontRef>
+        </p:style>
+        <p:txBody>
+          <a:bodyPr vert="vert270" rtlCol="0" anchor="ctr"/>
+          <a:lstStyle/>
+          <a:p>
+            <a:pPr algn="ctr"/>
+            <a:r>
+              <a:rPr lang="de-DE" sz="1400" dirty="0"/>
+              <a:t>User</a:t>
+            </a:r>
+            <a:br>
+              <a:rPr lang="de-DE" sz="1400" dirty="0"/>
+            </a:br>
+            <a:r>
+              <a:rPr lang="de-DE" sz="1400" dirty="0"/>
+              <a:t>(</a:t>
+            </a:r>
+            <a:r>
+              <a:rPr lang="de-DE" sz="1400" dirty="0" err="1"/>
+              <a:t>Resource-Owner</a:t>
+            </a:r>
+            <a:r>
+              <a:rPr lang="de-DE" sz="1400" dirty="0"/>
+              <a:t>)</a:t>
+            </a:r>
+            <a:endParaRPr lang="en-US" sz="1400" dirty="0"/>
+          </a:p>
+        </p:txBody>
+      </p:sp>
+      <p:cxnSp>
+        <p:nvCxnSpPr>
+          <p:cNvPr id="11" name="Gerade Verbindung mit Pfeil 10">
+            <a:extLst>
+              <a:ext uri="{FF2B5EF4-FFF2-40B4-BE49-F238E27FC236}">
+                <a16:creationId xmlns:a16="http://schemas.microsoft.com/office/drawing/2014/main" id="{EABEA9FF-DFF1-47EC-9406-2B0347847E9E}"/>
+              </a:ext>
+            </a:extLst>
+          </p:cNvPr>
+          <p:cNvCxnSpPr>
+            <a:stCxn id="4" idx="3"/>
+            <a:endCxn id="6" idx="2"/>
+          </p:cNvCxnSpPr>
+          <p:nvPr/>
+        </p:nvCxnSpPr>
+        <p:spPr>
+          <a:xfrm flipV="1">
+            <a:off x="6168190" y="3880184"/>
+            <a:ext cx="1919036" cy="1"/>
+          </a:xfrm>
+          <a:prstGeom prst="straightConnector1">
+            <a:avLst/>
+          </a:prstGeom>
+          <a:ln w="19050">
+            <a:tailEnd type="triangle"/>
+          </a:ln>
+        </p:spPr>
+        <p:style>
+          <a:lnRef idx="1">
+            <a:schemeClr val="dk1"/>
+          </a:lnRef>
+          <a:fillRef idx="0">
+            <a:schemeClr val="dk1"/>
+          </a:fillRef>
+          <a:effectRef idx="0">
+            <a:schemeClr val="dk1"/>
+          </a:effectRef>
+          <a:fontRef idx="minor">
+            <a:schemeClr val="tx1"/>
+          </a:fontRef>
+        </p:style>
+      </p:cxnSp>
+      <p:sp>
+        <p:nvSpPr>
+          <p:cNvPr id="13" name="Textfeld 12">
+            <a:extLst>
+              <a:ext uri="{FF2B5EF4-FFF2-40B4-BE49-F238E27FC236}">
+                <a16:creationId xmlns:a16="http://schemas.microsoft.com/office/drawing/2014/main" id="{0A99CED4-729E-463B-B8C8-4B14E8A4007C}"/>
+              </a:ext>
+            </a:extLst>
+          </p:cNvPr>
+          <p:cNvSpPr txBox="1"/>
+          <p:nvPr/>
+        </p:nvSpPr>
+        <p:spPr>
+          <a:xfrm>
+            <a:off x="6372729" y="3609199"/>
+            <a:ext cx="1574131" cy="276999"/>
+          </a:xfrm>
+          <a:prstGeom prst="rect">
+            <a:avLst/>
+          </a:prstGeom>
+          <a:noFill/>
+        </p:spPr>
+        <p:txBody>
+          <a:bodyPr wrap="square" rtlCol="0">
+            <a:spAutoFit/>
+          </a:bodyPr>
+          <a:lstStyle/>
+          <a:p>
+            <a:pPr algn="ctr"/>
+            <a:r>
+              <a:rPr lang="de-DE" sz="1200" dirty="0"/>
+              <a:t>OAuth-Access </a:t>
+            </a:r>
+            <a:r>
+              <a:rPr lang="de-DE" sz="1200" dirty="0" err="1"/>
+              <a:t>token</a:t>
+            </a:r>
+            <a:endParaRPr lang="en-US" sz="1200" dirty="0"/>
+          </a:p>
+        </p:txBody>
+      </p:sp>
+      <p:cxnSp>
+        <p:nvCxnSpPr>
+          <p:cNvPr id="14" name="Gerade Verbindung mit Pfeil 13">
+            <a:extLst>
+              <a:ext uri="{FF2B5EF4-FFF2-40B4-BE49-F238E27FC236}">
+                <a16:creationId xmlns:a16="http://schemas.microsoft.com/office/drawing/2014/main" id="{44072B86-A24D-40C0-BFE4-340A23CB179C}"/>
+              </a:ext>
+            </a:extLst>
+          </p:cNvPr>
+          <p:cNvCxnSpPr>
+            <a:cxnSpLocks/>
+            <a:stCxn id="8" idx="0"/>
+            <a:endCxn id="4" idx="1"/>
+          </p:cNvCxnSpPr>
+          <p:nvPr/>
+        </p:nvCxnSpPr>
+        <p:spPr>
+          <a:xfrm>
+            <a:off x="4390525" y="3880185"/>
+            <a:ext cx="959518" cy="0"/>
+          </a:xfrm>
+          <a:prstGeom prst="straightConnector1">
+            <a:avLst/>
+          </a:prstGeom>
+          <a:ln w="19050">
+            <a:tailEnd type="triangle"/>
+          </a:ln>
+        </p:spPr>
+        <p:style>
+          <a:lnRef idx="1">
+            <a:schemeClr val="dk1"/>
+          </a:lnRef>
+          <a:fillRef idx="0">
+            <a:schemeClr val="dk1"/>
+          </a:fillRef>
+          <a:effectRef idx="0">
+            <a:schemeClr val="dk1"/>
+          </a:effectRef>
+          <a:fontRef idx="minor">
+            <a:schemeClr val="tx1"/>
+          </a:fontRef>
+        </p:style>
+      </p:cxnSp>
+      <p:cxnSp>
+        <p:nvCxnSpPr>
+          <p:cNvPr id="18" name="Gerade Verbindung mit Pfeil 17">
+            <a:extLst>
+              <a:ext uri="{FF2B5EF4-FFF2-40B4-BE49-F238E27FC236}">
+                <a16:creationId xmlns:a16="http://schemas.microsoft.com/office/drawing/2014/main" id="{378D4321-5075-4E60-A44F-A1B850347E8B}"/>
+              </a:ext>
+            </a:extLst>
+          </p:cNvPr>
+          <p:cNvCxnSpPr>
+            <a:cxnSpLocks/>
+            <a:stCxn id="8" idx="1"/>
+          </p:cNvCxnSpPr>
+          <p:nvPr/>
+        </p:nvCxnSpPr>
+        <p:spPr>
+          <a:xfrm flipV="1">
+            <a:off x="3597443" y="1445795"/>
+            <a:ext cx="1425741" cy="1962150"/>
+          </a:xfrm>
+          <a:prstGeom prst="straightConnector1">
+            <a:avLst/>
+          </a:prstGeom>
+          <a:ln w="19050">
+            <a:tailEnd type="triangle"/>
+          </a:ln>
+        </p:spPr>
+        <p:style>
+          <a:lnRef idx="1">
+            <a:schemeClr val="dk1"/>
+          </a:lnRef>
+          <a:fillRef idx="0">
+            <a:schemeClr val="dk1"/>
+          </a:fillRef>
+          <a:effectRef idx="0">
+            <a:schemeClr val="dk1"/>
+          </a:effectRef>
+          <a:fontRef idx="minor">
+            <a:schemeClr val="tx1"/>
+          </a:fontRef>
+        </p:style>
+      </p:cxnSp>
+      <p:cxnSp>
+        <p:nvCxnSpPr>
+          <p:cNvPr id="21" name="Gerade Verbindung mit Pfeil 20">
+            <a:extLst>
+              <a:ext uri="{FF2B5EF4-FFF2-40B4-BE49-F238E27FC236}">
+                <a16:creationId xmlns:a16="http://schemas.microsoft.com/office/drawing/2014/main" id="{D0DE459F-CA87-4ADE-9311-32A07AF43FAE}"/>
+              </a:ext>
+            </a:extLst>
+          </p:cNvPr>
+          <p:cNvCxnSpPr>
+            <a:cxnSpLocks/>
+            <a:stCxn id="9" idx="0"/>
+            <a:endCxn id="8" idx="2"/>
+          </p:cNvCxnSpPr>
+          <p:nvPr/>
+        </p:nvCxnSpPr>
+        <p:spPr>
+          <a:xfrm>
+            <a:off x="2237873" y="3880183"/>
+            <a:ext cx="566489" cy="2"/>
+          </a:xfrm>
+          <a:prstGeom prst="straightConnector1">
+            <a:avLst/>
+          </a:prstGeom>
+          <a:ln w="19050">
+            <a:tailEnd type="triangle"/>
+          </a:ln>
+        </p:spPr>
+        <p:style>
+          <a:lnRef idx="1">
+            <a:schemeClr val="dk1"/>
+          </a:lnRef>
+          <a:fillRef idx="0">
+            <a:schemeClr val="dk1"/>
+          </a:fillRef>
+          <a:effectRef idx="0">
+            <a:schemeClr val="dk1"/>
+          </a:effectRef>
+          <a:fontRef idx="minor">
+            <a:schemeClr val="tx1"/>
+          </a:fontRef>
+        </p:style>
+      </p:cxnSp>
+      <p:sp>
+        <p:nvSpPr>
+          <p:cNvPr id="24" name="Textfeld 23">
+            <a:extLst>
+              <a:ext uri="{FF2B5EF4-FFF2-40B4-BE49-F238E27FC236}">
+                <a16:creationId xmlns:a16="http://schemas.microsoft.com/office/drawing/2014/main" id="{5ECFD42E-4397-4AA8-8882-0FCD9E9CFF7F}"/>
+              </a:ext>
+            </a:extLst>
+          </p:cNvPr>
+          <p:cNvSpPr txBox="1"/>
+          <p:nvPr/>
+        </p:nvSpPr>
+        <p:spPr>
+          <a:xfrm rot="18326936">
+            <a:off x="3336758" y="2324965"/>
+            <a:ext cx="1574131" cy="276999"/>
+          </a:xfrm>
+          <a:prstGeom prst="rect">
+            <a:avLst/>
+          </a:prstGeom>
+          <a:noFill/>
+        </p:spPr>
+        <p:txBody>
+          <a:bodyPr wrap="square" rtlCol="0">
+            <a:spAutoFit/>
+          </a:bodyPr>
+          <a:lstStyle/>
+          <a:p>
+            <a:pPr algn="ctr"/>
+            <a:r>
+              <a:rPr lang="de-DE" sz="1200" dirty="0"/>
+              <a:t>Login &amp; Autorisation</a:t>
+            </a:r>
+            <a:endParaRPr lang="en-US" sz="1200" dirty="0"/>
+          </a:p>
+        </p:txBody>
+      </p:sp>
+      <p:cxnSp>
+        <p:nvCxnSpPr>
+          <p:cNvPr id="25" name="Gerade Verbindung mit Pfeil 24">
+            <a:extLst>
+              <a:ext uri="{FF2B5EF4-FFF2-40B4-BE49-F238E27FC236}">
+                <a16:creationId xmlns:a16="http://schemas.microsoft.com/office/drawing/2014/main" id="{4E782197-A13F-4133-99BB-23D11BBBED5F}"/>
+              </a:ext>
+            </a:extLst>
+          </p:cNvPr>
+          <p:cNvCxnSpPr>
+            <a:cxnSpLocks/>
+            <a:stCxn id="4" idx="0"/>
+            <a:endCxn id="5" idx="3"/>
+          </p:cNvCxnSpPr>
+          <p:nvPr/>
+        </p:nvCxnSpPr>
+        <p:spPr>
+          <a:xfrm flipH="1" flipV="1">
+            <a:off x="5759115" y="1445795"/>
+            <a:ext cx="2" cy="990600"/>
+          </a:xfrm>
+          <a:prstGeom prst="straightConnector1">
+            <a:avLst/>
+          </a:prstGeom>
+          <a:ln w="19050">
+            <a:tailEnd type="triangle"/>
+          </a:ln>
+        </p:spPr>
+        <p:style>
+          <a:lnRef idx="1">
+            <a:schemeClr val="dk1"/>
+          </a:lnRef>
+          <a:fillRef idx="0">
+            <a:schemeClr val="dk1"/>
+          </a:fillRef>
+          <a:effectRef idx="0">
+            <a:schemeClr val="dk1"/>
+          </a:effectRef>
+          <a:fontRef idx="minor">
+            <a:schemeClr val="tx1"/>
+          </a:fontRef>
+        </p:style>
+      </p:cxnSp>
+      <p:sp>
+        <p:nvSpPr>
+          <p:cNvPr id="28" name="Textfeld 27">
+            <a:extLst>
+              <a:ext uri="{FF2B5EF4-FFF2-40B4-BE49-F238E27FC236}">
+                <a16:creationId xmlns:a16="http://schemas.microsoft.com/office/drawing/2014/main" id="{AD129AC7-DF71-4B24-AE9F-4DC1CC5E8D2C}"/>
+              </a:ext>
+            </a:extLst>
+          </p:cNvPr>
+          <p:cNvSpPr txBox="1"/>
+          <p:nvPr/>
+        </p:nvSpPr>
+        <p:spPr>
+          <a:xfrm rot="16200000">
+            <a:off x="5328986" y="1733322"/>
+            <a:ext cx="860258" cy="461665"/>
+          </a:xfrm>
+          <a:prstGeom prst="rect">
+            <a:avLst/>
+          </a:prstGeom>
+          <a:noFill/>
+        </p:spPr>
+        <p:txBody>
+          <a:bodyPr wrap="square" rtlCol="0">
+            <a:spAutoFit/>
+          </a:bodyPr>
+          <a:lstStyle/>
+          <a:p>
+            <a:pPr algn="ctr"/>
+            <a:r>
+              <a:rPr lang="de-DE" sz="1200" dirty="0"/>
+              <a:t>Token </a:t>
+            </a:r>
+            <a:r>
+              <a:rPr lang="de-DE" sz="1200" dirty="0" err="1"/>
+              <a:t>exchange</a:t>
+            </a:r>
+            <a:endParaRPr lang="en-US" sz="1200" dirty="0"/>
+          </a:p>
+        </p:txBody>
+      </p:sp>
+    </p:spTree>
+    <p:extLst>
+      <p:ext uri="{BB962C8B-B14F-4D97-AF65-F5344CB8AC3E}">
+        <p14:creationId xmlns:p14="http://schemas.microsoft.com/office/powerpoint/2010/main" val="3297432600"/>
+      </p:ext>
+    </p:extLst>
+  </p:cSld>
+  <p:clrMapOvr>
+    <a:masterClrMapping/>
+  </p:clrMapOvr>
+</p:sld>
+</file>
+
+<file path=ppt/slides/slide2.xml><?xml version="1.0" encoding="utf-8"?>
+<p:sld xmlns:a="http://schemas.openxmlformats.org/drawingml/2006/main" xmlns:r="http://schemas.openxmlformats.org/officeDocument/2006/relationships" xmlns:p="http://schemas.openxmlformats.org/presentationml/2006/main">
+  <p:cSld>
+    <p:spTree>
+      <p:nvGrpSpPr>
+        <p:cNvPr id="1" name=""/>
+        <p:cNvGrpSpPr/>
+        <p:nvPr/>
+      </p:nvGrpSpPr>
+      <p:grpSpPr>
+        <a:xfrm>
+          <a:off x="0" y="0"/>
+          <a:ext cx="0" cy="0"/>
+          <a:chOff x="0" y="0"/>
+          <a:chExt cx="0" cy="0"/>
+        </a:xfrm>
+      </p:grpSpPr>
       <p:pic>
         <p:nvPicPr>
           <p:cNvPr id="5" name="Grafik 4">
@@ -4108,7 +4855,7 @@
 </p:sld>
 </file>
 
-<file path=ppt/slides/slide2.xml><?xml version="1.0" encoding="utf-8"?>
+<file path=ppt/slides/slide3.xml><?xml version="1.0" encoding="utf-8"?>
 <p:sld xmlns:a="http://schemas.openxmlformats.org/drawingml/2006/main" xmlns:r="http://schemas.openxmlformats.org/officeDocument/2006/relationships" xmlns:p="http://schemas.openxmlformats.org/presentationml/2006/main">
   <p:cSld>
     <p:spTree>
@@ -4127,10 +4874,10 @@
       </p:grpSpPr>
       <p:pic>
         <p:nvPicPr>
-          <p:cNvPr id="3" name="Grafik 2">
-            <a:extLst>
-              <a:ext uri="{FF2B5EF4-FFF2-40B4-BE49-F238E27FC236}">
-                <a16:creationId xmlns:a16="http://schemas.microsoft.com/office/drawing/2014/main" id="{6BDE72EC-24AB-4689-B859-FC1CC7168C9C}"/>
+          <p:cNvPr id="7" name="Grafik 6">
+            <a:extLst>
+              <a:ext uri="{FF2B5EF4-FFF2-40B4-BE49-F238E27FC236}">
+                <a16:creationId xmlns:a16="http://schemas.microsoft.com/office/drawing/2014/main" id="{3F5847DF-957D-489C-99A1-762C6436DCB4}"/>
               </a:ext>
             </a:extLst>
           </p:cNvPr>
@@ -4147,12 +4894,13 @@
         </p:blipFill>
         <p:spPr>
           <a:xfrm>
-            <a:off x="4374011" y="2604583"/>
-            <a:ext cx="2168896" cy="1274579"/>
+            <a:off x="4643478" y="2480914"/>
+            <a:ext cx="1831342" cy="2098841"/>
           </a:xfrm>
           <a:prstGeom prst="rect">
             <a:avLst/>
           </a:prstGeom>
+          <a:noFill/>
           <a:ln w="6350">
             <a:solidFill>
               <a:schemeClr val="dk1">
@@ -4176,13 +4924,13 @@
         </p:nvSpPr>
         <p:spPr>
           <a:xfrm>
-            <a:off x="4577146" y="1842347"/>
+            <a:off x="2931226" y="2797387"/>
             <a:ext cx="1762626" cy="435899"/>
           </a:xfrm>
           <a:prstGeom prst="wedgeRectCallout">
             <a:avLst>
-              <a:gd name="adj1" fmla="val -3427"/>
-              <a:gd name="adj2" fmla="val 143794"/>
+              <a:gd name="adj1" fmla="val 74197"/>
+              <a:gd name="adj2" fmla="val 19484"/>
             </a:avLst>
           </a:prstGeom>
         </p:spPr>
@@ -4265,7 +5013,7 @@
         </p:nvSpPr>
         <p:spPr>
           <a:xfrm>
-            <a:off x="6632852" y="2832322"/>
+            <a:off x="6747999" y="3107088"/>
             <a:ext cx="1762626" cy="435899"/>
           </a:xfrm>
           <a:prstGeom prst="wedgeRectCallout">
@@ -4354,7 +5102,7 @@
         </p:nvSpPr>
         <p:spPr>
           <a:xfrm>
-            <a:off x="2521440" y="3268221"/>
+            <a:off x="2663680" y="3542987"/>
             <a:ext cx="1762626" cy="435899"/>
           </a:xfrm>
           <a:prstGeom prst="wedgeRectCallout">
@@ -4433,6 +5181,308 @@
           </a:p>
         </p:txBody>
       </p:sp>
+      <p:sp>
+        <p:nvSpPr>
+          <p:cNvPr id="8" name="Sprechblase: rechteckig 7">
+            <a:extLst>
+              <a:ext uri="{FF2B5EF4-FFF2-40B4-BE49-F238E27FC236}">
+                <a16:creationId xmlns:a16="http://schemas.microsoft.com/office/drawing/2014/main" id="{0208C34C-B71A-4888-AD37-C1056069000D}"/>
+              </a:ext>
+            </a:extLst>
+          </p:cNvPr>
+          <p:cNvSpPr/>
+          <p:nvPr/>
+        </p:nvSpPr>
+        <p:spPr>
+          <a:xfrm>
+            <a:off x="4712194" y="1605281"/>
+            <a:ext cx="1762626" cy="683126"/>
+          </a:xfrm>
+          <a:prstGeom prst="wedgeRectCallout">
+            <a:avLst>
+              <a:gd name="adj1" fmla="val -2658"/>
+              <a:gd name="adj2" fmla="val 90770"/>
+            </a:avLst>
+          </a:prstGeom>
+        </p:spPr>
+        <p:style>
+          <a:lnRef idx="2">
+            <a:schemeClr val="dk1">
+              <a:shade val="50000"/>
+            </a:schemeClr>
+          </a:lnRef>
+          <a:fillRef idx="1">
+            <a:schemeClr val="dk1"/>
+          </a:fillRef>
+          <a:effectRef idx="0">
+            <a:schemeClr val="dk1"/>
+          </a:effectRef>
+          <a:fontRef idx="minor">
+            <a:schemeClr val="lt1"/>
+          </a:fontRef>
+        </p:style>
+        <p:txBody>
+          <a:bodyPr rtlCol="0" anchor="ctr"/>
+          <a:lstStyle/>
+          <a:p>
+            <a:pPr algn="ctr"/>
+            <a:r>
+              <a:rPr lang="de-DE" sz="1000" dirty="0"/>
+              <a:t>The </a:t>
+            </a:r>
+            <a:r>
+              <a:rPr lang="de-DE" sz="1000" dirty="0" err="1"/>
+              <a:t>resource</a:t>
+            </a:r>
+            <a:r>
+              <a:rPr lang="de-DE" sz="1000" dirty="0"/>
+              <a:t> </a:t>
+            </a:r>
+            <a:r>
+              <a:rPr lang="de-DE" sz="1000" dirty="0" err="1"/>
+              <a:t>owner</a:t>
+            </a:r>
+            <a:r>
+              <a:rPr lang="de-DE" sz="1000" dirty="0"/>
+              <a:t> </a:t>
+            </a:r>
+            <a:r>
+              <a:rPr lang="de-DE" sz="1000" dirty="0" err="1"/>
+              <a:t>must</a:t>
+            </a:r>
+            <a:r>
+              <a:rPr lang="de-DE" sz="1000" dirty="0"/>
+              <a:t> </a:t>
+            </a:r>
+            <a:r>
+              <a:rPr lang="de-DE" sz="1000" dirty="0" err="1"/>
+              <a:t>be</a:t>
+            </a:r>
+            <a:r>
+              <a:rPr lang="de-DE" sz="1000" dirty="0"/>
+              <a:t> </a:t>
+            </a:r>
+            <a:r>
+              <a:rPr lang="de-DE" sz="1000" dirty="0" err="1"/>
+              <a:t>known</a:t>
+            </a:r>
+            <a:r>
+              <a:rPr lang="de-DE" sz="1000" dirty="0"/>
+              <a:t> </a:t>
+            </a:r>
+            <a:r>
+              <a:rPr lang="de-DE" sz="1000" dirty="0" err="1"/>
+              <a:t>as</a:t>
+            </a:r>
+            <a:r>
+              <a:rPr lang="de-DE" sz="1000" dirty="0"/>
+              <a:t> </a:t>
+            </a:r>
+            <a:r>
+              <a:rPr lang="de-DE" sz="1000" dirty="0" err="1"/>
+              <a:t>the</a:t>
+            </a:r>
+            <a:r>
+              <a:rPr lang="de-DE" sz="1000" dirty="0"/>
+              <a:t> </a:t>
+            </a:r>
+            <a:r>
+              <a:rPr lang="de-DE" sz="1000" dirty="0" err="1"/>
+              <a:t>token</a:t>
+            </a:r>
+            <a:r>
+              <a:rPr lang="de-DE" sz="1000" dirty="0"/>
+              <a:t> </a:t>
+            </a:r>
+            <a:r>
+              <a:rPr lang="de-DE" sz="1000" dirty="0" err="1"/>
+              <a:t>is</a:t>
+            </a:r>
+            <a:r>
+              <a:rPr lang="de-DE" sz="1000" dirty="0"/>
+              <a:t> </a:t>
+            </a:r>
+            <a:r>
+              <a:rPr lang="de-DE" sz="1000" dirty="0" err="1"/>
+              <a:t>stored</a:t>
+            </a:r>
+            <a:r>
+              <a:rPr lang="de-DE" sz="1000" dirty="0"/>
+              <a:t> on behalf </a:t>
+            </a:r>
+            <a:r>
+              <a:rPr lang="de-DE" sz="1000" dirty="0" err="1"/>
+              <a:t>of</a:t>
+            </a:r>
+            <a:r>
+              <a:rPr lang="de-DE" sz="1000" dirty="0"/>
+              <a:t> </a:t>
+            </a:r>
+            <a:r>
+              <a:rPr lang="de-DE" sz="1000" dirty="0" err="1"/>
+              <a:t>the</a:t>
+            </a:r>
+            <a:r>
+              <a:rPr lang="de-DE" sz="1000" dirty="0"/>
+              <a:t> </a:t>
+            </a:r>
+            <a:r>
+              <a:rPr lang="de-DE" sz="1000" dirty="0" err="1"/>
+              <a:t>resource</a:t>
+            </a:r>
+            <a:r>
+              <a:rPr lang="de-DE" sz="1000" dirty="0"/>
+              <a:t> </a:t>
+            </a:r>
+            <a:r>
+              <a:rPr lang="de-DE" sz="1000" dirty="0" err="1"/>
+              <a:t>owner</a:t>
+            </a:r>
+            <a:endParaRPr lang="en-US" sz="1000" dirty="0"/>
+          </a:p>
+        </p:txBody>
+      </p:sp>
+      <p:sp>
+        <p:nvSpPr>
+          <p:cNvPr id="9" name="Sprechblase: rechteckig 8">
+            <a:extLst>
+              <a:ext uri="{FF2B5EF4-FFF2-40B4-BE49-F238E27FC236}">
+                <a16:creationId xmlns:a16="http://schemas.microsoft.com/office/drawing/2014/main" id="{45ECEFA0-5E0C-4ACC-96AB-9AA15BA41256}"/>
+              </a:ext>
+            </a:extLst>
+          </p:cNvPr>
+          <p:cNvSpPr/>
+          <p:nvPr/>
+        </p:nvSpPr>
+        <p:spPr>
+          <a:xfrm>
+            <a:off x="6610774" y="4089670"/>
+            <a:ext cx="1762626" cy="543290"/>
+          </a:xfrm>
+          <a:prstGeom prst="wedgeRectCallout">
+            <a:avLst>
+              <a:gd name="adj1" fmla="val -73749"/>
+              <a:gd name="adj2" fmla="val 3277"/>
+            </a:avLst>
+          </a:prstGeom>
+        </p:spPr>
+        <p:style>
+          <a:lnRef idx="2">
+            <a:schemeClr val="dk1">
+              <a:shade val="50000"/>
+            </a:schemeClr>
+          </a:lnRef>
+          <a:fillRef idx="1">
+            <a:schemeClr val="dk1"/>
+          </a:fillRef>
+          <a:effectRef idx="0">
+            <a:schemeClr val="dk1"/>
+          </a:effectRef>
+          <a:fontRef idx="minor">
+            <a:schemeClr val="lt1"/>
+          </a:fontRef>
+        </p:style>
+        <p:txBody>
+          <a:bodyPr rtlCol="0" anchor="ctr"/>
+          <a:lstStyle/>
+          <a:p>
+            <a:pPr algn="ctr"/>
+            <a:r>
+              <a:rPr lang="de-DE" sz="1000" dirty="0"/>
+              <a:t>Token </a:t>
+            </a:r>
+            <a:r>
+              <a:rPr lang="de-DE" sz="1000" dirty="0" err="1"/>
+              <a:t>is</a:t>
+            </a:r>
+            <a:r>
+              <a:rPr lang="de-DE" sz="1000" dirty="0"/>
+              <a:t> </a:t>
+            </a:r>
+            <a:r>
+              <a:rPr lang="de-DE" sz="1000" dirty="0" err="1"/>
+              <a:t>stored</a:t>
+            </a:r>
+            <a:r>
+              <a:rPr lang="de-DE" sz="1000" dirty="0"/>
+              <a:t>. </a:t>
+            </a:r>
+            <a:r>
+              <a:rPr lang="de-DE" sz="1000" dirty="0" err="1"/>
+              <a:t>For</a:t>
+            </a:r>
+            <a:r>
+              <a:rPr lang="de-DE" sz="1000" dirty="0"/>
+              <a:t> </a:t>
+            </a:r>
+            <a:r>
+              <a:rPr lang="de-DE" sz="1000" dirty="0" err="1"/>
+              <a:t>convinience</a:t>
+            </a:r>
+            <a:r>
+              <a:rPr lang="de-DE" sz="1000" dirty="0"/>
+              <a:t> </a:t>
+            </a:r>
+            <a:r>
+              <a:rPr lang="de-DE" sz="1000" dirty="0" err="1"/>
+              <a:t>redirect</a:t>
+            </a:r>
+            <a:r>
+              <a:rPr lang="de-DE" sz="1000" dirty="0"/>
+              <a:t> </a:t>
+            </a:r>
+            <a:r>
+              <a:rPr lang="de-DE" sz="1000" dirty="0" err="1"/>
+              <a:t>the</a:t>
+            </a:r>
+            <a:r>
+              <a:rPr lang="de-DE" sz="1000" dirty="0"/>
+              <a:t> </a:t>
+            </a:r>
+            <a:r>
+              <a:rPr lang="de-DE" sz="1000" dirty="0" err="1"/>
+              <a:t>user</a:t>
+            </a:r>
+            <a:r>
+              <a:rPr lang="de-DE" sz="1000" dirty="0"/>
+              <a:t> </a:t>
+            </a:r>
+            <a:r>
+              <a:rPr lang="de-DE" sz="1000" dirty="0" err="1"/>
+              <a:t>to</a:t>
+            </a:r>
+            <a:r>
+              <a:rPr lang="de-DE" sz="1000" dirty="0"/>
+              <a:t> </a:t>
+            </a:r>
+            <a:r>
+              <a:rPr lang="de-DE" sz="1000" dirty="0" err="1"/>
+              <a:t>the</a:t>
+            </a:r>
+            <a:r>
+              <a:rPr lang="de-DE" sz="1000" dirty="0"/>
+              <a:t> </a:t>
+            </a:r>
+            <a:r>
+              <a:rPr lang="de-DE" sz="1000" dirty="0" err="1"/>
+              <a:t>requested</a:t>
+            </a:r>
+            <a:r>
+              <a:rPr lang="de-DE" sz="1000" dirty="0"/>
+              <a:t> </a:t>
+            </a:r>
+            <a:r>
+              <a:rPr lang="de-DE" sz="1000" dirty="0" err="1"/>
+              <a:t>resource</a:t>
+            </a:r>
+            <a:r>
+              <a:rPr lang="de-DE" sz="1000" dirty="0"/>
+              <a:t>.</a:t>
+            </a:r>
+            <a:endParaRPr lang="en-US" sz="1000" dirty="0"/>
+          </a:p>
+        </p:txBody>
+      </p:sp>
     </p:spTree>
     <p:extLst>
       <p:ext uri="{BB962C8B-B14F-4D97-AF65-F5344CB8AC3E}">
@@ -4446,7 +5496,7 @@
 </p:sld>
 </file>
 
-<file path=ppt/slides/slide3.xml><?xml version="1.0" encoding="utf-8"?>
+<file path=ppt/slides/slide4.xml><?xml version="1.0" encoding="utf-8"?>
 <p:sld xmlns:a="http://schemas.openxmlformats.org/drawingml/2006/main" xmlns:r="http://schemas.openxmlformats.org/officeDocument/2006/relationships" xmlns:p="http://schemas.openxmlformats.org/presentationml/2006/main">
   <p:cSld>
     <p:spTree>
